--- a/Prezentacije/Loading Screen &.Screen Manager.pptx
+++ b/Prezentacije/Loading Screen &.Screen Manager.pptx
@@ -5,10 +5,10 @@
     <p:sldMasterId id="2147483732" r:id="rId1"/>
   </p:sldMasterIdLst>
   <p:notesMasterIdLst>
-    <p:notesMasterId r:id="rId19"/>
+    <p:notesMasterId r:id="rId23"/>
   </p:notesMasterIdLst>
   <p:handoutMasterIdLst>
-    <p:handoutMasterId r:id="rId20"/>
+    <p:handoutMasterId r:id="rId24"/>
   </p:handoutMasterIdLst>
   <p:sldIdLst>
     <p:sldId id="256" r:id="rId2"/>
@@ -27,7 +27,11 @@
     <p:sldId id="269" r:id="rId15"/>
     <p:sldId id="270" r:id="rId16"/>
     <p:sldId id="271" r:id="rId17"/>
-    <p:sldId id="272" r:id="rId18"/>
+    <p:sldId id="274" r:id="rId18"/>
+    <p:sldId id="273" r:id="rId19"/>
+    <p:sldId id="275" r:id="rId20"/>
+    <p:sldId id="276" r:id="rId21"/>
+    <p:sldId id="272" r:id="rId22"/>
   </p:sldIdLst>
   <p:sldSz cx="12192000" cy="6858000"/>
   <p:notesSz cx="6858000" cy="9144000"/>
@@ -228,7 +232,7 @@
           <a:p>
             <a:fld id="{18C74FBA-076A-4A61-B384-781F704E2156}" type="datetimeFigureOut">
               <a:rPr lang="en-US" smtClean="0"/>
-              <a:t>4/22/2021</a:t>
+              <a:t>5/19/2021</a:t>
             </a:fld>
             <a:endParaRPr lang="en-US"/>
           </a:p>
@@ -406,7 +410,7 @@
           <a:p>
             <a:fld id="{8806E2DA-9A94-432C-98AD-262D6DB8C1DB}" type="datetimeFigureOut">
               <a:rPr lang="en-US" smtClean="0"/>
-              <a:t>4/22/2021</a:t>
+              <a:t>5/19/2021</a:t>
             </a:fld>
             <a:endParaRPr lang="en-US"/>
           </a:p>
@@ -806,7 +810,7 @@
           <a:p>
             <a:fld id="{8C30A91D-1B42-404E-89FB-69D892FCD56F}" type="datetimeFigureOut">
               <a:rPr lang="en-US" smtClean="0"/>
-              <a:t>4/22/2021</a:t>
+              <a:t>5/19/2021</a:t>
             </a:fld>
             <a:endParaRPr lang="en-US"/>
           </a:p>
@@ -976,7 +980,7 @@
           <a:p>
             <a:fld id="{8C30A91D-1B42-404E-89FB-69D892FCD56F}" type="datetimeFigureOut">
               <a:rPr lang="en-US" smtClean="0"/>
-              <a:t>4/22/2021</a:t>
+              <a:t>5/19/2021</a:t>
             </a:fld>
             <a:endParaRPr lang="en-US"/>
           </a:p>
@@ -1156,7 +1160,7 @@
           <a:p>
             <a:fld id="{8C30A91D-1B42-404E-89FB-69D892FCD56F}" type="datetimeFigureOut">
               <a:rPr lang="en-US" smtClean="0"/>
-              <a:t>4/22/2021</a:t>
+              <a:t>5/19/2021</a:t>
             </a:fld>
             <a:endParaRPr lang="en-US"/>
           </a:p>
@@ -1326,7 +1330,7 @@
           <a:p>
             <a:fld id="{8C30A91D-1B42-404E-89FB-69D892FCD56F}" type="datetimeFigureOut">
               <a:rPr lang="en-US" smtClean="0"/>
-              <a:t>4/22/2021</a:t>
+              <a:t>5/19/2021</a:t>
             </a:fld>
             <a:endParaRPr lang="en-US"/>
           </a:p>
@@ -1572,7 +1576,7 @@
           <a:p>
             <a:fld id="{8C30A91D-1B42-404E-89FB-69D892FCD56F}" type="datetimeFigureOut">
               <a:rPr lang="en-US" smtClean="0"/>
-              <a:t>4/22/2021</a:t>
+              <a:t>5/19/2021</a:t>
             </a:fld>
             <a:endParaRPr lang="en-US"/>
           </a:p>
@@ -1804,7 +1808,7 @@
           <a:p>
             <a:fld id="{8C30A91D-1B42-404E-89FB-69D892FCD56F}" type="datetimeFigureOut">
               <a:rPr lang="en-US" smtClean="0"/>
-              <a:t>4/22/2021</a:t>
+              <a:t>5/19/2021</a:t>
             </a:fld>
             <a:endParaRPr lang="en-US"/>
           </a:p>
@@ -2171,7 +2175,7 @@
           <a:p>
             <a:fld id="{8C30A91D-1B42-404E-89FB-69D892FCD56F}" type="datetimeFigureOut">
               <a:rPr lang="en-US" smtClean="0"/>
-              <a:t>4/22/2021</a:t>
+              <a:t>5/19/2021</a:t>
             </a:fld>
             <a:endParaRPr lang="en-US"/>
           </a:p>
@@ -2289,7 +2293,7 @@
           <a:p>
             <a:fld id="{8C30A91D-1B42-404E-89FB-69D892FCD56F}" type="datetimeFigureOut">
               <a:rPr lang="en-US" smtClean="0"/>
-              <a:t>4/22/2021</a:t>
+              <a:t>5/19/2021</a:t>
             </a:fld>
             <a:endParaRPr lang="en-US"/>
           </a:p>
@@ -2384,7 +2388,7 @@
           <a:p>
             <a:fld id="{8C30A91D-1B42-404E-89FB-69D892FCD56F}" type="datetimeFigureOut">
               <a:rPr lang="en-US" smtClean="0"/>
-              <a:t>4/22/2021</a:t>
+              <a:t>5/19/2021</a:t>
             </a:fld>
             <a:endParaRPr lang="en-US"/>
           </a:p>
@@ -2661,7 +2665,7 @@
           <a:p>
             <a:fld id="{8C30A91D-1B42-404E-89FB-69D892FCD56F}" type="datetimeFigureOut">
               <a:rPr lang="en-US" smtClean="0"/>
-              <a:t>4/22/2021</a:t>
+              <a:t>5/19/2021</a:t>
             </a:fld>
             <a:endParaRPr lang="en-US"/>
           </a:p>
@@ -2918,7 +2922,7 @@
           <a:p>
             <a:fld id="{8C30A91D-1B42-404E-89FB-69D892FCD56F}" type="datetimeFigureOut">
               <a:rPr lang="en-US" smtClean="0"/>
-              <a:t>4/22/2021</a:t>
+              <a:t>5/19/2021</a:t>
             </a:fld>
             <a:endParaRPr lang="en-US"/>
           </a:p>
@@ -3131,7 +3135,7 @@
           <a:p>
             <a:fld id="{8C30A91D-1B42-404E-89FB-69D892FCD56F}" type="datetimeFigureOut">
               <a:rPr lang="en-US" smtClean="0"/>
-              <a:t>4/22/2021</a:t>
+              <a:t>5/19/2021</a:t>
             </a:fld>
             <a:endParaRPr lang="en-US"/>
           </a:p>
@@ -6718,7 +6722,7 @@
           <p:cNvPr id="2" name="Naslov 1">
             <a:extLst>
               <a:ext uri="{FF2B5EF4-FFF2-40B4-BE49-F238E27FC236}">
-                <a16:creationId xmlns:a16="http://schemas.microsoft.com/office/drawing/2014/main" id="{AF8888FF-3A50-4B4C-B4EB-109A91E253BD}"/>
+                <a16:creationId xmlns:a16="http://schemas.microsoft.com/office/drawing/2014/main" id="{E1137F4F-25BE-4326-90B0-83307C4EAF03}"/>
               </a:ext>
             </a:extLst>
           </p:cNvPr>
@@ -6734,49 +6738,53 @@
           <a:bodyPr/>
           <a:lstStyle/>
           <a:p>
-            <a:pPr algn="ctr"/>
+            <a:r>
+              <a:rPr lang="hr-HR" dirty="0"/>
+              <a:t>Kako to sve spojiti skupa?</a:t>
+            </a:r>
             <a:endParaRPr lang="en-US" dirty="0"/>
           </a:p>
         </p:txBody>
       </p:sp>
-      <p:sp>
-        <p:nvSpPr>
-          <p:cNvPr id="3" name="Rezervirano mjesto sadržaja 2">
+      <p:pic>
+        <p:nvPicPr>
+          <p:cNvPr id="5" name="Rezervirano mjesto sadržaja 4">
             <a:extLst>
               <a:ext uri="{FF2B5EF4-FFF2-40B4-BE49-F238E27FC236}">
-                <a16:creationId xmlns:a16="http://schemas.microsoft.com/office/drawing/2014/main" id="{783B3DD4-C45B-456F-AC17-275963AE8581}"/>
+                <a16:creationId xmlns:a16="http://schemas.microsoft.com/office/drawing/2014/main" id="{F56BFA30-53DA-4A82-87F4-288F7B057BB0}"/>
               </a:ext>
             </a:extLst>
           </p:cNvPr>
-          <p:cNvSpPr>
-            <a:spLocks noGrp="1"/>
-          </p:cNvSpPr>
+          <p:cNvPicPr>
+            <a:picLocks noGrp="1" noChangeAspect="1"/>
+          </p:cNvPicPr>
           <p:nvPr>
             <p:ph idx="1"/>
           </p:nvPr>
-        </p:nvSpPr>
-        <p:spPr/>
-        <p:txBody>
-          <a:bodyPr>
-            <a:normAutofit/>
-          </a:bodyPr>
-          <a:lstStyle/>
-          <a:p>
-            <a:pPr marL="0" indent="0" algn="ctr">
-              <a:buNone/>
-            </a:pPr>
-            <a:r>
-              <a:rPr lang="hr-HR" sz="9600" dirty="0"/>
-              <a:t>Hvala na pažnji</a:t>
-            </a:r>
-            <a:endParaRPr lang="en-US" sz="9600" dirty="0"/>
-          </a:p>
-        </p:txBody>
-      </p:sp>
+        </p:nvPicPr>
+        <p:blipFill>
+          <a:blip r:embed="rId2">
+            <a:extLst>
+              <a:ext uri="{28A0092B-C50C-407E-A947-70E740481C1C}">
+                <a14:useLocalDpi xmlns:a14="http://schemas.microsoft.com/office/drawing/2010/main" val="0"/>
+              </a:ext>
+            </a:extLst>
+          </a:blip>
+          <a:stretch>
+            <a:fillRect/>
+          </a:stretch>
+        </p:blipFill>
+        <p:spPr>
+          <a:xfrm>
+            <a:off x="838200" y="2234776"/>
+            <a:ext cx="6226391" cy="3481119"/>
+          </a:xfrm>
+        </p:spPr>
+      </p:pic>
     </p:spTree>
     <p:extLst>
       <p:ext uri="{BB962C8B-B14F-4D97-AF65-F5344CB8AC3E}">
-        <p14:creationId xmlns:p14="http://schemas.microsoft.com/office/powerpoint/2010/main" val="1383237973"/>
+        <p14:creationId xmlns:p14="http://schemas.microsoft.com/office/powerpoint/2010/main" val="3017631525"/>
       </p:ext>
     </p:extLst>
   </p:cSld>
@@ -6804,7 +6812,7 @@
                             </p:stCondLst>
                             <p:childTnLst>
                               <p:par>
-                                <p:cTn id="5" presetID="26" presetClass="entr" presetSubtype="0" fill="hold" grpId="0" nodeType="clickEffect">
+                                <p:cTn id="5" presetID="1" presetClass="entr" presetSubtype="0" fill="hold" grpId="0" nodeType="clickEffect">
                                   <p:stCondLst>
                                     <p:cond delay="0"/>
                                   </p:stCondLst>
@@ -6817,11 +6825,7 @@
                                           </p:stCondLst>
                                         </p:cTn>
                                         <p:tgtEl>
-                                          <p:spTgt spid="3">
-                                            <p:txEl>
-                                              <p:pRg st="0" end="0"/>
-                                            </p:txEl>
-                                          </p:spTgt>
+                                          <p:spTgt spid="2"/>
                                         </p:tgtEl>
                                         <p:attrNameLst>
                                           <p:attrName>style.visibility</p:attrName>
@@ -6831,35 +6835,56 @@
                                         <p:strVal val="visible"/>
                                       </p:to>
                                     </p:set>
-                                    <p:animEffect transition="in" filter="wipe(down)">
-                                      <p:cBhvr>
-                                        <p:cTn id="7" dur="580">
+                                  </p:childTnLst>
+                                </p:cTn>
+                              </p:par>
+                            </p:childTnLst>
+                          </p:cTn>
+                        </p:par>
+                      </p:childTnLst>
+                    </p:cTn>
+                  </p:par>
+                  <p:par>
+                    <p:cTn id="7" fill="hold">
+                      <p:stCondLst>
+                        <p:cond delay="indefinite"/>
+                      </p:stCondLst>
+                      <p:childTnLst>
+                        <p:par>
+                          <p:cTn id="8" fill="hold">
+                            <p:stCondLst>
+                              <p:cond delay="0"/>
+                            </p:stCondLst>
+                            <p:childTnLst>
+                              <p:par>
+                                <p:cTn id="9" presetID="2" presetClass="entr" presetSubtype="4" fill="hold" nodeType="clickEffect">
+                                  <p:stCondLst>
+                                    <p:cond delay="0"/>
+                                  </p:stCondLst>
+                                  <p:childTnLst>
+                                    <p:set>
+                                      <p:cBhvr>
+                                        <p:cTn id="10" dur="1" fill="hold">
                                           <p:stCondLst>
                                             <p:cond delay="0"/>
                                           </p:stCondLst>
                                         </p:cTn>
                                         <p:tgtEl>
-                                          <p:spTgt spid="3">
-                                            <p:txEl>
-                                              <p:pRg st="0" end="0"/>
-                                            </p:txEl>
-                                          </p:spTgt>
-                                        </p:tgtEl>
-                                      </p:cBhvr>
-                                    </p:animEffect>
+                                          <p:spTgt spid="5"/>
+                                        </p:tgtEl>
+                                        <p:attrNameLst>
+                                          <p:attrName>style.visibility</p:attrName>
+                                        </p:attrNameLst>
+                                      </p:cBhvr>
+                                      <p:to>
+                                        <p:strVal val="visible"/>
+                                      </p:to>
+                                    </p:set>
                                     <p:anim calcmode="lin" valueType="num">
-                                      <p:cBhvr>
-                                        <p:cTn id="8" dur="1822" tmFilter="0,0; 0.14,0.36; 0.43,0.73; 0.71,0.91; 1.0,1.0">
-                                          <p:stCondLst>
-                                            <p:cond delay="0"/>
-                                          </p:stCondLst>
-                                        </p:cTn>
-                                        <p:tgtEl>
-                                          <p:spTgt spid="3">
-                                            <p:txEl>
-                                              <p:pRg st="0" end="0"/>
-                                            </p:txEl>
-                                          </p:spTgt>
+                                      <p:cBhvr additive="base">
+                                        <p:cTn id="11" dur="500" fill="hold"/>
+                                        <p:tgtEl>
+                                          <p:spTgt spid="5"/>
                                         </p:tgtEl>
                                         <p:attrNameLst>
                                           <p:attrName>ppt_x</p:attrName>
@@ -6868,7 +6893,7 @@
                                       <p:tavLst>
                                         <p:tav tm="0">
                                           <p:val>
-                                            <p:strVal val="#ppt_x-0.25"/>
+                                            <p:strVal val="#ppt_x"/>
                                           </p:val>
                                         </p:tav>
                                         <p:tav tm="100000">
@@ -6879,265 +6904,28 @@
                                       </p:tavLst>
                                     </p:anim>
                                     <p:anim calcmode="lin" valueType="num">
-                                      <p:cBhvr>
-                                        <p:cTn id="9" dur="664" tmFilter="0.0,0.0; 0.25,0.07; 0.50,0.2; 0.75,0.467; 1.0,1.0">
-                                          <p:stCondLst>
-                                            <p:cond delay="0"/>
-                                          </p:stCondLst>
-                                        </p:cTn>
-                                        <p:tgtEl>
-                                          <p:spTgt spid="3">
-                                            <p:txEl>
-                                              <p:pRg st="0" end="0"/>
-                                            </p:txEl>
-                                          </p:spTgt>
+                                      <p:cBhvr additive="base">
+                                        <p:cTn id="12" dur="500" fill="hold"/>
+                                        <p:tgtEl>
+                                          <p:spTgt spid="5"/>
                                         </p:tgtEl>
                                         <p:attrNameLst>
                                           <p:attrName>ppt_y</p:attrName>
                                         </p:attrNameLst>
                                       </p:cBhvr>
                                       <p:tavLst>
-                                        <p:tav tm="0" fmla="#ppt_y-sin(pi*$)/3">
-                                          <p:val>
-                                            <p:fltVal val="0.5"/>
+                                        <p:tav tm="0">
+                                          <p:val>
+                                            <p:strVal val="1+#ppt_h/2"/>
                                           </p:val>
                                         </p:tav>
                                         <p:tav tm="100000">
                                           <p:val>
-                                            <p:fltVal val="1"/>
+                                            <p:strVal val="#ppt_y"/>
                                           </p:val>
                                         </p:tav>
                                       </p:tavLst>
                                     </p:anim>
-                                    <p:anim calcmode="lin" valueType="num">
-                                      <p:cBhvr>
-                                        <p:cTn id="10" dur="664" tmFilter="0, 0; 0.125,0.2665; 0.25,0.4; 0.375,0.465; 0.5,0.5;  0.625,0.535; 0.75,0.6; 0.875,0.7335; 1,1">
-                                          <p:stCondLst>
-                                            <p:cond delay="664"/>
-                                          </p:stCondLst>
-                                        </p:cTn>
-                                        <p:tgtEl>
-                                          <p:spTgt spid="3">
-                                            <p:txEl>
-                                              <p:pRg st="0" end="0"/>
-                                            </p:txEl>
-                                          </p:spTgt>
-                                        </p:tgtEl>
-                                        <p:attrNameLst>
-                                          <p:attrName>ppt_y</p:attrName>
-                                        </p:attrNameLst>
-                                      </p:cBhvr>
-                                      <p:tavLst>
-                                        <p:tav tm="0" fmla="#ppt_y-sin(pi*$)/9">
-                                          <p:val>
-                                            <p:fltVal val="0"/>
-                                          </p:val>
-                                        </p:tav>
-                                        <p:tav tm="100000">
-                                          <p:val>
-                                            <p:fltVal val="1"/>
-                                          </p:val>
-                                        </p:tav>
-                                      </p:tavLst>
-                                    </p:anim>
-                                    <p:anim calcmode="lin" valueType="num">
-                                      <p:cBhvr>
-                                        <p:cTn id="11" dur="332" tmFilter="0, 0; 0.125,0.2665; 0.25,0.4; 0.375,0.465; 0.5,0.5;  0.625,0.535; 0.75,0.6; 0.875,0.7335; 1,1">
-                                          <p:stCondLst>
-                                            <p:cond delay="1324"/>
-                                          </p:stCondLst>
-                                        </p:cTn>
-                                        <p:tgtEl>
-                                          <p:spTgt spid="3">
-                                            <p:txEl>
-                                              <p:pRg st="0" end="0"/>
-                                            </p:txEl>
-                                          </p:spTgt>
-                                        </p:tgtEl>
-                                        <p:attrNameLst>
-                                          <p:attrName>ppt_y</p:attrName>
-                                        </p:attrNameLst>
-                                      </p:cBhvr>
-                                      <p:tavLst>
-                                        <p:tav tm="0" fmla="#ppt_y-sin(pi*$)/27">
-                                          <p:val>
-                                            <p:fltVal val="0"/>
-                                          </p:val>
-                                        </p:tav>
-                                        <p:tav tm="100000">
-                                          <p:val>
-                                            <p:fltVal val="1"/>
-                                          </p:val>
-                                        </p:tav>
-                                      </p:tavLst>
-                                    </p:anim>
-                                    <p:anim calcmode="lin" valueType="num">
-                                      <p:cBhvr>
-                                        <p:cTn id="12" dur="164" tmFilter="0, 0; 0.125,0.2665; 0.25,0.4; 0.375,0.465; 0.5,0.5;  0.625,0.535; 0.75,0.6; 0.875,0.7335; 1,1">
-                                          <p:stCondLst>
-                                            <p:cond delay="1656"/>
-                                          </p:stCondLst>
-                                        </p:cTn>
-                                        <p:tgtEl>
-                                          <p:spTgt spid="3">
-                                            <p:txEl>
-                                              <p:pRg st="0" end="0"/>
-                                            </p:txEl>
-                                          </p:spTgt>
-                                        </p:tgtEl>
-                                        <p:attrNameLst>
-                                          <p:attrName>ppt_y</p:attrName>
-                                        </p:attrNameLst>
-                                      </p:cBhvr>
-                                      <p:tavLst>
-                                        <p:tav tm="0" fmla="#ppt_y-sin(pi*$)/81">
-                                          <p:val>
-                                            <p:fltVal val="0"/>
-                                          </p:val>
-                                        </p:tav>
-                                        <p:tav tm="100000">
-                                          <p:val>
-                                            <p:fltVal val="1"/>
-                                          </p:val>
-                                        </p:tav>
-                                      </p:tavLst>
-                                    </p:anim>
-                                    <p:animScale>
-                                      <p:cBhvr>
-                                        <p:cTn id="13" dur="26">
-                                          <p:stCondLst>
-                                            <p:cond delay="650"/>
-                                          </p:stCondLst>
-                                        </p:cTn>
-                                        <p:tgtEl>
-                                          <p:spTgt spid="3">
-                                            <p:txEl>
-                                              <p:pRg st="0" end="0"/>
-                                            </p:txEl>
-                                          </p:spTgt>
-                                        </p:tgtEl>
-                                      </p:cBhvr>
-                                      <p:to x="100000" y="60000"/>
-                                    </p:animScale>
-                                    <p:animScale>
-                                      <p:cBhvr>
-                                        <p:cTn id="14" dur="166" decel="50000">
-                                          <p:stCondLst>
-                                            <p:cond delay="676"/>
-                                          </p:stCondLst>
-                                        </p:cTn>
-                                        <p:tgtEl>
-                                          <p:spTgt spid="3">
-                                            <p:txEl>
-                                              <p:pRg st="0" end="0"/>
-                                            </p:txEl>
-                                          </p:spTgt>
-                                        </p:tgtEl>
-                                      </p:cBhvr>
-                                      <p:to x="100000" y="100000"/>
-                                    </p:animScale>
-                                    <p:animScale>
-                                      <p:cBhvr>
-                                        <p:cTn id="15" dur="26">
-                                          <p:stCondLst>
-                                            <p:cond delay="1312"/>
-                                          </p:stCondLst>
-                                        </p:cTn>
-                                        <p:tgtEl>
-                                          <p:spTgt spid="3">
-                                            <p:txEl>
-                                              <p:pRg st="0" end="0"/>
-                                            </p:txEl>
-                                          </p:spTgt>
-                                        </p:tgtEl>
-                                      </p:cBhvr>
-                                      <p:to x="100000" y="80000"/>
-                                    </p:animScale>
-                                    <p:animScale>
-                                      <p:cBhvr>
-                                        <p:cTn id="16" dur="166" decel="50000">
-                                          <p:stCondLst>
-                                            <p:cond delay="1338"/>
-                                          </p:stCondLst>
-                                        </p:cTn>
-                                        <p:tgtEl>
-                                          <p:spTgt spid="3">
-                                            <p:txEl>
-                                              <p:pRg st="0" end="0"/>
-                                            </p:txEl>
-                                          </p:spTgt>
-                                        </p:tgtEl>
-                                      </p:cBhvr>
-                                      <p:to x="100000" y="100000"/>
-                                    </p:animScale>
-                                    <p:animScale>
-                                      <p:cBhvr>
-                                        <p:cTn id="17" dur="26">
-                                          <p:stCondLst>
-                                            <p:cond delay="1642"/>
-                                          </p:stCondLst>
-                                        </p:cTn>
-                                        <p:tgtEl>
-                                          <p:spTgt spid="3">
-                                            <p:txEl>
-                                              <p:pRg st="0" end="0"/>
-                                            </p:txEl>
-                                          </p:spTgt>
-                                        </p:tgtEl>
-                                      </p:cBhvr>
-                                      <p:to x="100000" y="90000"/>
-                                    </p:animScale>
-                                    <p:animScale>
-                                      <p:cBhvr>
-                                        <p:cTn id="18" dur="166" decel="50000">
-                                          <p:stCondLst>
-                                            <p:cond delay="1668"/>
-                                          </p:stCondLst>
-                                        </p:cTn>
-                                        <p:tgtEl>
-                                          <p:spTgt spid="3">
-                                            <p:txEl>
-                                              <p:pRg st="0" end="0"/>
-                                            </p:txEl>
-                                          </p:spTgt>
-                                        </p:tgtEl>
-                                      </p:cBhvr>
-                                      <p:to x="100000" y="100000"/>
-                                    </p:animScale>
-                                    <p:animScale>
-                                      <p:cBhvr>
-                                        <p:cTn id="19" dur="26">
-                                          <p:stCondLst>
-                                            <p:cond delay="1808"/>
-                                          </p:stCondLst>
-                                        </p:cTn>
-                                        <p:tgtEl>
-                                          <p:spTgt spid="3">
-                                            <p:txEl>
-                                              <p:pRg st="0" end="0"/>
-                                            </p:txEl>
-                                          </p:spTgt>
-                                        </p:tgtEl>
-                                      </p:cBhvr>
-                                      <p:to x="100000" y="95000"/>
-                                    </p:animScale>
-                                    <p:animScale>
-                                      <p:cBhvr>
-                                        <p:cTn id="20" dur="166" decel="50000">
-                                          <p:stCondLst>
-                                            <p:cond delay="1834"/>
-                                          </p:stCondLst>
-                                        </p:cTn>
-                                        <p:tgtEl>
-                                          <p:spTgt spid="3">
-                                            <p:txEl>
-                                              <p:pRg st="0" end="0"/>
-                                            </p:txEl>
-                                          </p:spTgt>
-                                        </p:tgtEl>
-                                      </p:cBhvr>
-                                      <p:to x="100000" y="100000"/>
-                                    </p:animScale>
                                   </p:childTnLst>
                                 </p:cTn>
                               </p:par>
@@ -7169,8 +6957,1081 @@
       </p:par>
     </p:tnLst>
     <p:bldLst>
-      <p:bldP spid="3" grpId="0" build="p"/>
+      <p:bldP spid="2" grpId="0"/>
     </p:bldLst>
+  </p:timing>
+</p:sld>
+</file>
+
+<file path=ppt/slides/slide18.xml><?xml version="1.0" encoding="utf-8"?>
+<p:sld xmlns:a="http://schemas.openxmlformats.org/drawingml/2006/main" xmlns:r="http://schemas.openxmlformats.org/officeDocument/2006/relationships" xmlns:p="http://schemas.openxmlformats.org/presentationml/2006/main">
+  <p:cSld>
+    <p:spTree>
+      <p:nvGrpSpPr>
+        <p:cNvPr id="1" name=""/>
+        <p:cNvGrpSpPr/>
+        <p:nvPr/>
+      </p:nvGrpSpPr>
+      <p:grpSpPr>
+        <a:xfrm>
+          <a:off x="0" y="0"/>
+          <a:ext cx="0" cy="0"/>
+          <a:chOff x="0" y="0"/>
+          <a:chExt cx="0" cy="0"/>
+        </a:xfrm>
+      </p:grpSpPr>
+      <p:sp>
+        <p:nvSpPr>
+          <p:cNvPr id="2" name="Naslov 1">
+            <a:extLst>
+              <a:ext uri="{FF2B5EF4-FFF2-40B4-BE49-F238E27FC236}">
+                <a16:creationId xmlns:a16="http://schemas.microsoft.com/office/drawing/2014/main" id="{653AB97B-A1B9-4A8B-BA14-1EF82824170E}"/>
+              </a:ext>
+            </a:extLst>
+          </p:cNvPr>
+          <p:cNvSpPr>
+            <a:spLocks noGrp="1"/>
+          </p:cNvSpPr>
+          <p:nvPr>
+            <p:ph type="title"/>
+          </p:nvPr>
+        </p:nvSpPr>
+        <p:spPr/>
+        <p:txBody>
+          <a:bodyPr/>
+          <a:lstStyle/>
+          <a:p>
+            <a:r>
+              <a:rPr lang="hr-HR" dirty="0"/>
+              <a:t>Prvo napravimo Panel</a:t>
+            </a:r>
+            <a:endParaRPr lang="en-US" dirty="0"/>
+          </a:p>
+        </p:txBody>
+      </p:sp>
+      <p:pic>
+        <p:nvPicPr>
+          <p:cNvPr id="5" name="Rezervirano mjesto sadržaja 4">
+            <a:extLst>
+              <a:ext uri="{FF2B5EF4-FFF2-40B4-BE49-F238E27FC236}">
+                <a16:creationId xmlns:a16="http://schemas.microsoft.com/office/drawing/2014/main" id="{6EEFCAAE-4455-4E56-BFE9-05595FABEA7F}"/>
+              </a:ext>
+            </a:extLst>
+          </p:cNvPr>
+          <p:cNvPicPr>
+            <a:picLocks noGrp="1" noChangeAspect="1"/>
+          </p:cNvPicPr>
+          <p:nvPr>
+            <p:ph idx="1"/>
+          </p:nvPr>
+        </p:nvPicPr>
+        <p:blipFill>
+          <a:blip r:embed="rId2"/>
+          <a:stretch>
+            <a:fillRect/>
+          </a:stretch>
+        </p:blipFill>
+        <p:spPr>
+          <a:xfrm>
+            <a:off x="1305847" y="1949912"/>
+            <a:ext cx="3188384" cy="4351338"/>
+          </a:xfrm>
+        </p:spPr>
+      </p:pic>
+    </p:spTree>
+    <p:extLst>
+      <p:ext uri="{BB962C8B-B14F-4D97-AF65-F5344CB8AC3E}">
+        <p14:creationId xmlns:p14="http://schemas.microsoft.com/office/powerpoint/2010/main" val="2376682851"/>
+      </p:ext>
+    </p:extLst>
+  </p:cSld>
+  <p:clrMapOvr>
+    <a:masterClrMapping/>
+  </p:clrMapOvr>
+</p:sld>
+</file>
+
+<file path=ppt/slides/slide19.xml><?xml version="1.0" encoding="utf-8"?>
+<p:sld xmlns:a="http://schemas.openxmlformats.org/drawingml/2006/main" xmlns:r="http://schemas.openxmlformats.org/officeDocument/2006/relationships" xmlns:p="http://schemas.openxmlformats.org/presentationml/2006/main">
+  <p:cSld>
+    <p:spTree>
+      <p:nvGrpSpPr>
+        <p:cNvPr id="1" name=""/>
+        <p:cNvGrpSpPr/>
+        <p:nvPr/>
+      </p:nvGrpSpPr>
+      <p:grpSpPr>
+        <a:xfrm>
+          <a:off x="0" y="0"/>
+          <a:ext cx="0" cy="0"/>
+          <a:chOff x="0" y="0"/>
+          <a:chExt cx="0" cy="0"/>
+        </a:xfrm>
+      </p:grpSpPr>
+      <p:sp>
+        <p:nvSpPr>
+          <p:cNvPr id="3" name="Rezervirano mjesto sadržaja 2">
+            <a:extLst>
+              <a:ext uri="{FF2B5EF4-FFF2-40B4-BE49-F238E27FC236}">
+                <a16:creationId xmlns:a16="http://schemas.microsoft.com/office/drawing/2014/main" id="{3AA3CA89-E174-43E5-8914-F84422FFEFD6}"/>
+              </a:ext>
+            </a:extLst>
+          </p:cNvPr>
+          <p:cNvSpPr>
+            <a:spLocks noGrp="1"/>
+          </p:cNvSpPr>
+          <p:nvPr>
+            <p:ph idx="1"/>
+          </p:nvPr>
+        </p:nvSpPr>
+        <p:spPr>
+          <a:xfrm>
+            <a:off x="506027" y="381740"/>
+            <a:ext cx="10928411" cy="5795223"/>
+          </a:xfrm>
+        </p:spPr>
+        <p:txBody>
+          <a:bodyPr/>
+          <a:lstStyle/>
+          <a:p>
+            <a:r>
+              <a:rPr lang="hr-HR" dirty="0"/>
+              <a:t>Pa ga napravimo potpuno vidljivim </a:t>
+            </a:r>
+          </a:p>
+          <a:p>
+            <a:r>
+              <a:rPr lang="hr-HR" dirty="0"/>
+              <a:t>Dodamo </a:t>
+            </a:r>
+            <a:r>
+              <a:rPr lang="hr-HR" dirty="0" err="1"/>
+              <a:t>Slider</a:t>
+            </a:r>
+            <a:r>
+              <a:rPr lang="hr-HR" dirty="0"/>
+              <a:t> i </a:t>
+            </a:r>
+            <a:r>
+              <a:rPr lang="hr-HR" dirty="0" err="1"/>
+              <a:t>obrisemo</a:t>
+            </a:r>
+            <a:r>
+              <a:rPr lang="hr-HR" dirty="0"/>
+              <a:t> </a:t>
+            </a:r>
+            <a:r>
+              <a:rPr lang="hr-HR" dirty="0" err="1"/>
+              <a:t>Handle</a:t>
+            </a:r>
+            <a:endParaRPr lang="hr-HR" dirty="0"/>
+          </a:p>
+          <a:p>
+            <a:endParaRPr lang="hr-HR" dirty="0"/>
+          </a:p>
+          <a:p>
+            <a:endParaRPr lang="hr-HR" dirty="0"/>
+          </a:p>
+          <a:p>
+            <a:r>
+              <a:rPr lang="hr-HR" dirty="0" err="1"/>
+              <a:t>Fill</a:t>
+            </a:r>
+            <a:r>
+              <a:rPr lang="hr-HR" dirty="0"/>
+              <a:t> </a:t>
+            </a:r>
+            <a:r>
+              <a:rPr lang="hr-HR" dirty="0" err="1"/>
+              <a:t>area</a:t>
+            </a:r>
+            <a:r>
+              <a:rPr lang="hr-HR" dirty="0"/>
+              <a:t> </a:t>
+            </a:r>
+            <a:r>
+              <a:rPr lang="hr-HR" dirty="0" err="1"/>
+              <a:t>povecamo</a:t>
+            </a:r>
+            <a:r>
+              <a:rPr lang="hr-HR" dirty="0"/>
+              <a:t> do kraja </a:t>
+            </a:r>
+            <a:r>
+              <a:rPr lang="hr-HR" dirty="0" err="1"/>
+              <a:t>slidera</a:t>
+            </a:r>
+            <a:endParaRPr lang="hr-HR" dirty="0"/>
+          </a:p>
+          <a:p>
+            <a:endParaRPr lang="hr-HR" dirty="0"/>
+          </a:p>
+        </p:txBody>
+      </p:sp>
+      <p:pic>
+        <p:nvPicPr>
+          <p:cNvPr id="5" name="Slika 4">
+            <a:extLst>
+              <a:ext uri="{FF2B5EF4-FFF2-40B4-BE49-F238E27FC236}">
+                <a16:creationId xmlns:a16="http://schemas.microsoft.com/office/drawing/2014/main" id="{5F0C0013-3C64-41C2-9091-3C364EB20DE9}"/>
+              </a:ext>
+            </a:extLst>
+          </p:cNvPr>
+          <p:cNvPicPr>
+            <a:picLocks noChangeAspect="1"/>
+          </p:cNvPicPr>
+          <p:nvPr/>
+        </p:nvPicPr>
+        <p:blipFill>
+          <a:blip r:embed="rId2"/>
+          <a:stretch>
+            <a:fillRect/>
+          </a:stretch>
+        </p:blipFill>
+        <p:spPr>
+          <a:xfrm>
+            <a:off x="6704489" y="381740"/>
+            <a:ext cx="2766300" cy="1966130"/>
+          </a:xfrm>
+          <a:prstGeom prst="rect">
+            <a:avLst/>
+          </a:prstGeom>
+        </p:spPr>
+      </p:pic>
+      <p:pic>
+        <p:nvPicPr>
+          <p:cNvPr id="7" name="Slika 6">
+            <a:extLst>
+              <a:ext uri="{FF2B5EF4-FFF2-40B4-BE49-F238E27FC236}">
+                <a16:creationId xmlns:a16="http://schemas.microsoft.com/office/drawing/2014/main" id="{179AADBA-D0B0-4001-8B43-52AE40F4B0BF}"/>
+              </a:ext>
+            </a:extLst>
+          </p:cNvPr>
+          <p:cNvPicPr>
+            <a:picLocks noChangeAspect="1"/>
+          </p:cNvPicPr>
+          <p:nvPr/>
+        </p:nvPicPr>
+        <p:blipFill>
+          <a:blip r:embed="rId3"/>
+          <a:stretch>
+            <a:fillRect/>
+          </a:stretch>
+        </p:blipFill>
+        <p:spPr>
+          <a:xfrm>
+            <a:off x="6136318" y="2711367"/>
+            <a:ext cx="5654530" cy="1798763"/>
+          </a:xfrm>
+          <a:prstGeom prst="rect">
+            <a:avLst/>
+          </a:prstGeom>
+        </p:spPr>
+      </p:pic>
+      <p:pic>
+        <p:nvPicPr>
+          <p:cNvPr id="9" name="Slika 8">
+            <a:extLst>
+              <a:ext uri="{FF2B5EF4-FFF2-40B4-BE49-F238E27FC236}">
+                <a16:creationId xmlns:a16="http://schemas.microsoft.com/office/drawing/2014/main" id="{A232D806-DC6F-4CAB-9C4F-AE3FDB3FC396}"/>
+              </a:ext>
+            </a:extLst>
+          </p:cNvPr>
+          <p:cNvPicPr>
+            <a:picLocks noChangeAspect="1"/>
+          </p:cNvPicPr>
+          <p:nvPr/>
+        </p:nvPicPr>
+        <p:blipFill>
+          <a:blip r:embed="rId4"/>
+          <a:stretch>
+            <a:fillRect/>
+          </a:stretch>
+        </p:blipFill>
+        <p:spPr>
+          <a:xfrm>
+            <a:off x="6221210" y="2711368"/>
+            <a:ext cx="5569638" cy="1600911"/>
+          </a:xfrm>
+          <a:prstGeom prst="rect">
+            <a:avLst/>
+          </a:prstGeom>
+        </p:spPr>
+      </p:pic>
+      <p:pic>
+        <p:nvPicPr>
+          <p:cNvPr id="11" name="Slika 10">
+            <a:extLst>
+              <a:ext uri="{FF2B5EF4-FFF2-40B4-BE49-F238E27FC236}">
+                <a16:creationId xmlns:a16="http://schemas.microsoft.com/office/drawing/2014/main" id="{A9986098-1D9F-4552-8682-D95320904E34}"/>
+              </a:ext>
+            </a:extLst>
+          </p:cNvPr>
+          <p:cNvPicPr>
+            <a:picLocks noChangeAspect="1"/>
+          </p:cNvPicPr>
+          <p:nvPr/>
+        </p:nvPicPr>
+        <p:blipFill>
+          <a:blip r:embed="rId5"/>
+          <a:stretch>
+            <a:fillRect/>
+          </a:stretch>
+        </p:blipFill>
+        <p:spPr>
+          <a:xfrm>
+            <a:off x="6240387" y="2877017"/>
+            <a:ext cx="5550461" cy="1600910"/>
+          </a:xfrm>
+          <a:prstGeom prst="rect">
+            <a:avLst/>
+          </a:prstGeom>
+        </p:spPr>
+      </p:pic>
+    </p:spTree>
+    <p:extLst>
+      <p:ext uri="{BB962C8B-B14F-4D97-AF65-F5344CB8AC3E}">
+        <p14:creationId xmlns:p14="http://schemas.microsoft.com/office/powerpoint/2010/main" val="2944522333"/>
+      </p:ext>
+    </p:extLst>
+  </p:cSld>
+  <p:clrMapOvr>
+    <a:masterClrMapping/>
+  </p:clrMapOvr>
+  <p:timing>
+    <p:tnLst>
+      <p:par>
+        <p:cTn id="1" dur="indefinite" restart="never" nodeType="tmRoot">
+          <p:childTnLst>
+            <p:seq concurrent="1" nextAc="seek">
+              <p:cTn id="2" dur="indefinite" nodeType="mainSeq">
+                <p:childTnLst>
+                  <p:par>
+                    <p:cTn id="3" fill="hold">
+                      <p:stCondLst>
+                        <p:cond delay="indefinite"/>
+                      </p:stCondLst>
+                      <p:childTnLst>
+                        <p:par>
+                          <p:cTn id="4" fill="hold">
+                            <p:stCondLst>
+                              <p:cond delay="0"/>
+                            </p:stCondLst>
+                            <p:childTnLst>
+                              <p:par>
+                                <p:cTn id="5" presetID="2" presetClass="entr" presetSubtype="4" fill="hold" nodeType="clickEffect">
+                                  <p:stCondLst>
+                                    <p:cond delay="0"/>
+                                  </p:stCondLst>
+                                  <p:childTnLst>
+                                    <p:set>
+                                      <p:cBhvr>
+                                        <p:cTn id="6" dur="1" fill="hold">
+                                          <p:stCondLst>
+                                            <p:cond delay="0"/>
+                                          </p:stCondLst>
+                                        </p:cTn>
+                                        <p:tgtEl>
+                                          <p:spTgt spid="3">
+                                            <p:txEl>
+                                              <p:pRg st="0" end="0"/>
+                                            </p:txEl>
+                                          </p:spTgt>
+                                        </p:tgtEl>
+                                        <p:attrNameLst>
+                                          <p:attrName>style.visibility</p:attrName>
+                                        </p:attrNameLst>
+                                      </p:cBhvr>
+                                      <p:to>
+                                        <p:strVal val="visible"/>
+                                      </p:to>
+                                    </p:set>
+                                    <p:anim calcmode="lin" valueType="num">
+                                      <p:cBhvr additive="base">
+                                        <p:cTn id="7" dur="500" fill="hold"/>
+                                        <p:tgtEl>
+                                          <p:spTgt spid="3">
+                                            <p:txEl>
+                                              <p:pRg st="0" end="0"/>
+                                            </p:txEl>
+                                          </p:spTgt>
+                                        </p:tgtEl>
+                                        <p:attrNameLst>
+                                          <p:attrName>ppt_x</p:attrName>
+                                        </p:attrNameLst>
+                                      </p:cBhvr>
+                                      <p:tavLst>
+                                        <p:tav tm="0">
+                                          <p:val>
+                                            <p:strVal val="#ppt_x"/>
+                                          </p:val>
+                                        </p:tav>
+                                        <p:tav tm="100000">
+                                          <p:val>
+                                            <p:strVal val="#ppt_x"/>
+                                          </p:val>
+                                        </p:tav>
+                                      </p:tavLst>
+                                    </p:anim>
+                                    <p:anim calcmode="lin" valueType="num">
+                                      <p:cBhvr additive="base">
+                                        <p:cTn id="8" dur="500" fill="hold"/>
+                                        <p:tgtEl>
+                                          <p:spTgt spid="3">
+                                            <p:txEl>
+                                              <p:pRg st="0" end="0"/>
+                                            </p:txEl>
+                                          </p:spTgt>
+                                        </p:tgtEl>
+                                        <p:attrNameLst>
+                                          <p:attrName>ppt_y</p:attrName>
+                                        </p:attrNameLst>
+                                      </p:cBhvr>
+                                      <p:tavLst>
+                                        <p:tav tm="0">
+                                          <p:val>
+                                            <p:strVal val="1+#ppt_h/2"/>
+                                          </p:val>
+                                        </p:tav>
+                                        <p:tav tm="100000">
+                                          <p:val>
+                                            <p:strVal val="#ppt_y"/>
+                                          </p:val>
+                                        </p:tav>
+                                      </p:tavLst>
+                                    </p:anim>
+                                  </p:childTnLst>
+                                </p:cTn>
+                              </p:par>
+                            </p:childTnLst>
+                          </p:cTn>
+                        </p:par>
+                      </p:childTnLst>
+                    </p:cTn>
+                  </p:par>
+                  <p:par>
+                    <p:cTn id="9" fill="hold">
+                      <p:stCondLst>
+                        <p:cond delay="indefinite"/>
+                      </p:stCondLst>
+                      <p:childTnLst>
+                        <p:par>
+                          <p:cTn id="10" fill="hold">
+                            <p:stCondLst>
+                              <p:cond delay="0"/>
+                            </p:stCondLst>
+                            <p:childTnLst>
+                              <p:par>
+                                <p:cTn id="11" presetID="42" presetClass="entr" presetSubtype="0" fill="hold" nodeType="clickEffect">
+                                  <p:stCondLst>
+                                    <p:cond delay="0"/>
+                                  </p:stCondLst>
+                                  <p:childTnLst>
+                                    <p:set>
+                                      <p:cBhvr>
+                                        <p:cTn id="12" dur="1" fill="hold">
+                                          <p:stCondLst>
+                                            <p:cond delay="0"/>
+                                          </p:stCondLst>
+                                        </p:cTn>
+                                        <p:tgtEl>
+                                          <p:spTgt spid="5"/>
+                                        </p:tgtEl>
+                                        <p:attrNameLst>
+                                          <p:attrName>style.visibility</p:attrName>
+                                        </p:attrNameLst>
+                                      </p:cBhvr>
+                                      <p:to>
+                                        <p:strVal val="visible"/>
+                                      </p:to>
+                                    </p:set>
+                                    <p:animEffect transition="in" filter="fade">
+                                      <p:cBhvr>
+                                        <p:cTn id="13" dur="1000"/>
+                                        <p:tgtEl>
+                                          <p:spTgt spid="5"/>
+                                        </p:tgtEl>
+                                      </p:cBhvr>
+                                    </p:animEffect>
+                                    <p:anim calcmode="lin" valueType="num">
+                                      <p:cBhvr>
+                                        <p:cTn id="14" dur="1000" fill="hold"/>
+                                        <p:tgtEl>
+                                          <p:spTgt spid="5"/>
+                                        </p:tgtEl>
+                                        <p:attrNameLst>
+                                          <p:attrName>ppt_x</p:attrName>
+                                        </p:attrNameLst>
+                                      </p:cBhvr>
+                                      <p:tavLst>
+                                        <p:tav tm="0">
+                                          <p:val>
+                                            <p:strVal val="#ppt_x"/>
+                                          </p:val>
+                                        </p:tav>
+                                        <p:tav tm="100000">
+                                          <p:val>
+                                            <p:strVal val="#ppt_x"/>
+                                          </p:val>
+                                        </p:tav>
+                                      </p:tavLst>
+                                    </p:anim>
+                                    <p:anim calcmode="lin" valueType="num">
+                                      <p:cBhvr>
+                                        <p:cTn id="15" dur="1000" fill="hold"/>
+                                        <p:tgtEl>
+                                          <p:spTgt spid="5"/>
+                                        </p:tgtEl>
+                                        <p:attrNameLst>
+                                          <p:attrName>ppt_y</p:attrName>
+                                        </p:attrNameLst>
+                                      </p:cBhvr>
+                                      <p:tavLst>
+                                        <p:tav tm="0">
+                                          <p:val>
+                                            <p:strVal val="#ppt_y+.1"/>
+                                          </p:val>
+                                        </p:tav>
+                                        <p:tav tm="100000">
+                                          <p:val>
+                                            <p:strVal val="#ppt_y"/>
+                                          </p:val>
+                                        </p:tav>
+                                      </p:tavLst>
+                                    </p:anim>
+                                  </p:childTnLst>
+                                </p:cTn>
+                              </p:par>
+                            </p:childTnLst>
+                          </p:cTn>
+                        </p:par>
+                      </p:childTnLst>
+                    </p:cTn>
+                  </p:par>
+                  <p:par>
+                    <p:cTn id="16" fill="hold">
+                      <p:stCondLst>
+                        <p:cond delay="indefinite"/>
+                      </p:stCondLst>
+                      <p:childTnLst>
+                        <p:par>
+                          <p:cTn id="17" fill="hold">
+                            <p:stCondLst>
+                              <p:cond delay="0"/>
+                            </p:stCondLst>
+                            <p:childTnLst>
+                              <p:par>
+                                <p:cTn id="18" presetID="2" presetClass="entr" presetSubtype="4" fill="hold" nodeType="clickEffect">
+                                  <p:stCondLst>
+                                    <p:cond delay="0"/>
+                                  </p:stCondLst>
+                                  <p:childTnLst>
+                                    <p:set>
+                                      <p:cBhvr>
+                                        <p:cTn id="19" dur="1" fill="hold">
+                                          <p:stCondLst>
+                                            <p:cond delay="0"/>
+                                          </p:stCondLst>
+                                        </p:cTn>
+                                        <p:tgtEl>
+                                          <p:spTgt spid="3">
+                                            <p:txEl>
+                                              <p:pRg st="1" end="1"/>
+                                            </p:txEl>
+                                          </p:spTgt>
+                                        </p:tgtEl>
+                                        <p:attrNameLst>
+                                          <p:attrName>style.visibility</p:attrName>
+                                        </p:attrNameLst>
+                                      </p:cBhvr>
+                                      <p:to>
+                                        <p:strVal val="visible"/>
+                                      </p:to>
+                                    </p:set>
+                                    <p:anim calcmode="lin" valueType="num">
+                                      <p:cBhvr additive="base">
+                                        <p:cTn id="20" dur="500" fill="hold"/>
+                                        <p:tgtEl>
+                                          <p:spTgt spid="3">
+                                            <p:txEl>
+                                              <p:pRg st="1" end="1"/>
+                                            </p:txEl>
+                                          </p:spTgt>
+                                        </p:tgtEl>
+                                        <p:attrNameLst>
+                                          <p:attrName>ppt_x</p:attrName>
+                                        </p:attrNameLst>
+                                      </p:cBhvr>
+                                      <p:tavLst>
+                                        <p:tav tm="0">
+                                          <p:val>
+                                            <p:strVal val="#ppt_x"/>
+                                          </p:val>
+                                        </p:tav>
+                                        <p:tav tm="100000">
+                                          <p:val>
+                                            <p:strVal val="#ppt_x"/>
+                                          </p:val>
+                                        </p:tav>
+                                      </p:tavLst>
+                                    </p:anim>
+                                    <p:anim calcmode="lin" valueType="num">
+                                      <p:cBhvr additive="base">
+                                        <p:cTn id="21" dur="500" fill="hold"/>
+                                        <p:tgtEl>
+                                          <p:spTgt spid="3">
+                                            <p:txEl>
+                                              <p:pRg st="1" end="1"/>
+                                            </p:txEl>
+                                          </p:spTgt>
+                                        </p:tgtEl>
+                                        <p:attrNameLst>
+                                          <p:attrName>ppt_y</p:attrName>
+                                        </p:attrNameLst>
+                                      </p:cBhvr>
+                                      <p:tavLst>
+                                        <p:tav tm="0">
+                                          <p:val>
+                                            <p:strVal val="1+#ppt_h/2"/>
+                                          </p:val>
+                                        </p:tav>
+                                        <p:tav tm="100000">
+                                          <p:val>
+                                            <p:strVal val="#ppt_y"/>
+                                          </p:val>
+                                        </p:tav>
+                                      </p:tavLst>
+                                    </p:anim>
+                                  </p:childTnLst>
+                                </p:cTn>
+                              </p:par>
+                            </p:childTnLst>
+                          </p:cTn>
+                        </p:par>
+                      </p:childTnLst>
+                    </p:cTn>
+                  </p:par>
+                  <p:par>
+                    <p:cTn id="22" fill="hold">
+                      <p:stCondLst>
+                        <p:cond delay="indefinite"/>
+                      </p:stCondLst>
+                      <p:childTnLst>
+                        <p:par>
+                          <p:cTn id="23" fill="hold">
+                            <p:stCondLst>
+                              <p:cond delay="0"/>
+                            </p:stCondLst>
+                            <p:childTnLst>
+                              <p:par>
+                                <p:cTn id="24" presetID="42" presetClass="entr" presetSubtype="0" fill="hold" nodeType="clickEffect">
+                                  <p:stCondLst>
+                                    <p:cond delay="0"/>
+                                  </p:stCondLst>
+                                  <p:childTnLst>
+                                    <p:set>
+                                      <p:cBhvr>
+                                        <p:cTn id="25" dur="1" fill="hold">
+                                          <p:stCondLst>
+                                            <p:cond delay="0"/>
+                                          </p:stCondLst>
+                                        </p:cTn>
+                                        <p:tgtEl>
+                                          <p:spTgt spid="7"/>
+                                        </p:tgtEl>
+                                        <p:attrNameLst>
+                                          <p:attrName>style.visibility</p:attrName>
+                                        </p:attrNameLst>
+                                      </p:cBhvr>
+                                      <p:to>
+                                        <p:strVal val="visible"/>
+                                      </p:to>
+                                    </p:set>
+                                    <p:animEffect transition="in" filter="fade">
+                                      <p:cBhvr>
+                                        <p:cTn id="26" dur="1000"/>
+                                        <p:tgtEl>
+                                          <p:spTgt spid="7"/>
+                                        </p:tgtEl>
+                                      </p:cBhvr>
+                                    </p:animEffect>
+                                    <p:anim calcmode="lin" valueType="num">
+                                      <p:cBhvr>
+                                        <p:cTn id="27" dur="1000" fill="hold"/>
+                                        <p:tgtEl>
+                                          <p:spTgt spid="7"/>
+                                        </p:tgtEl>
+                                        <p:attrNameLst>
+                                          <p:attrName>ppt_x</p:attrName>
+                                        </p:attrNameLst>
+                                      </p:cBhvr>
+                                      <p:tavLst>
+                                        <p:tav tm="0">
+                                          <p:val>
+                                            <p:strVal val="#ppt_x"/>
+                                          </p:val>
+                                        </p:tav>
+                                        <p:tav tm="100000">
+                                          <p:val>
+                                            <p:strVal val="#ppt_x"/>
+                                          </p:val>
+                                        </p:tav>
+                                      </p:tavLst>
+                                    </p:anim>
+                                    <p:anim calcmode="lin" valueType="num">
+                                      <p:cBhvr>
+                                        <p:cTn id="28" dur="1000" fill="hold"/>
+                                        <p:tgtEl>
+                                          <p:spTgt spid="7"/>
+                                        </p:tgtEl>
+                                        <p:attrNameLst>
+                                          <p:attrName>ppt_y</p:attrName>
+                                        </p:attrNameLst>
+                                      </p:cBhvr>
+                                      <p:tavLst>
+                                        <p:tav tm="0">
+                                          <p:val>
+                                            <p:strVal val="#ppt_y+.1"/>
+                                          </p:val>
+                                        </p:tav>
+                                        <p:tav tm="100000">
+                                          <p:val>
+                                            <p:strVal val="#ppt_y"/>
+                                          </p:val>
+                                        </p:tav>
+                                      </p:tavLst>
+                                    </p:anim>
+                                  </p:childTnLst>
+                                </p:cTn>
+                              </p:par>
+                            </p:childTnLst>
+                          </p:cTn>
+                        </p:par>
+                      </p:childTnLst>
+                    </p:cTn>
+                  </p:par>
+                  <p:par>
+                    <p:cTn id="29" fill="hold">
+                      <p:stCondLst>
+                        <p:cond delay="indefinite"/>
+                      </p:stCondLst>
+                      <p:childTnLst>
+                        <p:par>
+                          <p:cTn id="30" fill="hold">
+                            <p:stCondLst>
+                              <p:cond delay="0"/>
+                            </p:stCondLst>
+                            <p:childTnLst>
+                              <p:par>
+                                <p:cTn id="31" presetID="2" presetClass="entr" presetSubtype="4" fill="hold" nodeType="clickEffect">
+                                  <p:stCondLst>
+                                    <p:cond delay="0"/>
+                                  </p:stCondLst>
+                                  <p:childTnLst>
+                                    <p:set>
+                                      <p:cBhvr>
+                                        <p:cTn id="32" dur="1" fill="hold">
+                                          <p:stCondLst>
+                                            <p:cond delay="0"/>
+                                          </p:stCondLst>
+                                        </p:cTn>
+                                        <p:tgtEl>
+                                          <p:spTgt spid="3">
+                                            <p:txEl>
+                                              <p:pRg st="4" end="4"/>
+                                            </p:txEl>
+                                          </p:spTgt>
+                                        </p:tgtEl>
+                                        <p:attrNameLst>
+                                          <p:attrName>style.visibility</p:attrName>
+                                        </p:attrNameLst>
+                                      </p:cBhvr>
+                                      <p:to>
+                                        <p:strVal val="visible"/>
+                                      </p:to>
+                                    </p:set>
+                                    <p:anim calcmode="lin" valueType="num">
+                                      <p:cBhvr additive="base">
+                                        <p:cTn id="33" dur="500" fill="hold"/>
+                                        <p:tgtEl>
+                                          <p:spTgt spid="3">
+                                            <p:txEl>
+                                              <p:pRg st="4" end="4"/>
+                                            </p:txEl>
+                                          </p:spTgt>
+                                        </p:tgtEl>
+                                        <p:attrNameLst>
+                                          <p:attrName>ppt_x</p:attrName>
+                                        </p:attrNameLst>
+                                      </p:cBhvr>
+                                      <p:tavLst>
+                                        <p:tav tm="0">
+                                          <p:val>
+                                            <p:strVal val="#ppt_x"/>
+                                          </p:val>
+                                        </p:tav>
+                                        <p:tav tm="100000">
+                                          <p:val>
+                                            <p:strVal val="#ppt_x"/>
+                                          </p:val>
+                                        </p:tav>
+                                      </p:tavLst>
+                                    </p:anim>
+                                    <p:anim calcmode="lin" valueType="num">
+                                      <p:cBhvr additive="base">
+                                        <p:cTn id="34" dur="500" fill="hold"/>
+                                        <p:tgtEl>
+                                          <p:spTgt spid="3">
+                                            <p:txEl>
+                                              <p:pRg st="4" end="4"/>
+                                            </p:txEl>
+                                          </p:spTgt>
+                                        </p:tgtEl>
+                                        <p:attrNameLst>
+                                          <p:attrName>ppt_y</p:attrName>
+                                        </p:attrNameLst>
+                                      </p:cBhvr>
+                                      <p:tavLst>
+                                        <p:tav tm="0">
+                                          <p:val>
+                                            <p:strVal val="1+#ppt_h/2"/>
+                                          </p:val>
+                                        </p:tav>
+                                        <p:tav tm="100000">
+                                          <p:val>
+                                            <p:strVal val="#ppt_y"/>
+                                          </p:val>
+                                        </p:tav>
+                                      </p:tavLst>
+                                    </p:anim>
+                                  </p:childTnLst>
+                                </p:cTn>
+                              </p:par>
+                            </p:childTnLst>
+                          </p:cTn>
+                        </p:par>
+                      </p:childTnLst>
+                    </p:cTn>
+                  </p:par>
+                  <p:par>
+                    <p:cTn id="35" fill="hold">
+                      <p:stCondLst>
+                        <p:cond delay="indefinite"/>
+                      </p:stCondLst>
+                      <p:childTnLst>
+                        <p:par>
+                          <p:cTn id="36" fill="hold">
+                            <p:stCondLst>
+                              <p:cond delay="0"/>
+                            </p:stCondLst>
+                            <p:childTnLst>
+                              <p:par>
+                                <p:cTn id="37" presetID="42" presetClass="entr" presetSubtype="0" fill="hold" nodeType="clickEffect">
+                                  <p:stCondLst>
+                                    <p:cond delay="0"/>
+                                  </p:stCondLst>
+                                  <p:childTnLst>
+                                    <p:set>
+                                      <p:cBhvr>
+                                        <p:cTn id="38" dur="1" fill="hold">
+                                          <p:stCondLst>
+                                            <p:cond delay="0"/>
+                                          </p:stCondLst>
+                                        </p:cTn>
+                                        <p:tgtEl>
+                                          <p:spTgt spid="9"/>
+                                        </p:tgtEl>
+                                        <p:attrNameLst>
+                                          <p:attrName>style.visibility</p:attrName>
+                                        </p:attrNameLst>
+                                      </p:cBhvr>
+                                      <p:to>
+                                        <p:strVal val="visible"/>
+                                      </p:to>
+                                    </p:set>
+                                    <p:animEffect transition="in" filter="fade">
+                                      <p:cBhvr>
+                                        <p:cTn id="39" dur="1000"/>
+                                        <p:tgtEl>
+                                          <p:spTgt spid="9"/>
+                                        </p:tgtEl>
+                                      </p:cBhvr>
+                                    </p:animEffect>
+                                    <p:anim calcmode="lin" valueType="num">
+                                      <p:cBhvr>
+                                        <p:cTn id="40" dur="1000" fill="hold"/>
+                                        <p:tgtEl>
+                                          <p:spTgt spid="9"/>
+                                        </p:tgtEl>
+                                        <p:attrNameLst>
+                                          <p:attrName>ppt_x</p:attrName>
+                                        </p:attrNameLst>
+                                      </p:cBhvr>
+                                      <p:tavLst>
+                                        <p:tav tm="0">
+                                          <p:val>
+                                            <p:strVal val="#ppt_x"/>
+                                          </p:val>
+                                        </p:tav>
+                                        <p:tav tm="100000">
+                                          <p:val>
+                                            <p:strVal val="#ppt_x"/>
+                                          </p:val>
+                                        </p:tav>
+                                      </p:tavLst>
+                                    </p:anim>
+                                    <p:anim calcmode="lin" valueType="num">
+                                      <p:cBhvr>
+                                        <p:cTn id="41" dur="1000" fill="hold"/>
+                                        <p:tgtEl>
+                                          <p:spTgt spid="9"/>
+                                        </p:tgtEl>
+                                        <p:attrNameLst>
+                                          <p:attrName>ppt_y</p:attrName>
+                                        </p:attrNameLst>
+                                      </p:cBhvr>
+                                      <p:tavLst>
+                                        <p:tav tm="0">
+                                          <p:val>
+                                            <p:strVal val="#ppt_y+.1"/>
+                                          </p:val>
+                                        </p:tav>
+                                        <p:tav tm="100000">
+                                          <p:val>
+                                            <p:strVal val="#ppt_y"/>
+                                          </p:val>
+                                        </p:tav>
+                                      </p:tavLst>
+                                    </p:anim>
+                                  </p:childTnLst>
+                                </p:cTn>
+                              </p:par>
+                            </p:childTnLst>
+                          </p:cTn>
+                        </p:par>
+                      </p:childTnLst>
+                    </p:cTn>
+                  </p:par>
+                  <p:par>
+                    <p:cTn id="42" fill="hold">
+                      <p:stCondLst>
+                        <p:cond delay="indefinite"/>
+                      </p:stCondLst>
+                      <p:childTnLst>
+                        <p:par>
+                          <p:cTn id="43" fill="hold">
+                            <p:stCondLst>
+                              <p:cond delay="0"/>
+                            </p:stCondLst>
+                            <p:childTnLst>
+                              <p:par>
+                                <p:cTn id="44" presetID="42" presetClass="entr" presetSubtype="0" fill="hold" nodeType="clickEffect">
+                                  <p:stCondLst>
+                                    <p:cond delay="0"/>
+                                  </p:stCondLst>
+                                  <p:childTnLst>
+                                    <p:set>
+                                      <p:cBhvr>
+                                        <p:cTn id="45" dur="1" fill="hold">
+                                          <p:stCondLst>
+                                            <p:cond delay="0"/>
+                                          </p:stCondLst>
+                                        </p:cTn>
+                                        <p:tgtEl>
+                                          <p:spTgt spid="11"/>
+                                        </p:tgtEl>
+                                        <p:attrNameLst>
+                                          <p:attrName>style.visibility</p:attrName>
+                                        </p:attrNameLst>
+                                      </p:cBhvr>
+                                      <p:to>
+                                        <p:strVal val="visible"/>
+                                      </p:to>
+                                    </p:set>
+                                    <p:animEffect transition="in" filter="fade">
+                                      <p:cBhvr>
+                                        <p:cTn id="46" dur="1000"/>
+                                        <p:tgtEl>
+                                          <p:spTgt spid="11"/>
+                                        </p:tgtEl>
+                                      </p:cBhvr>
+                                    </p:animEffect>
+                                    <p:anim calcmode="lin" valueType="num">
+                                      <p:cBhvr>
+                                        <p:cTn id="47" dur="1000" fill="hold"/>
+                                        <p:tgtEl>
+                                          <p:spTgt spid="11"/>
+                                        </p:tgtEl>
+                                        <p:attrNameLst>
+                                          <p:attrName>ppt_x</p:attrName>
+                                        </p:attrNameLst>
+                                      </p:cBhvr>
+                                      <p:tavLst>
+                                        <p:tav tm="0">
+                                          <p:val>
+                                            <p:strVal val="#ppt_x"/>
+                                          </p:val>
+                                        </p:tav>
+                                        <p:tav tm="100000">
+                                          <p:val>
+                                            <p:strVal val="#ppt_x"/>
+                                          </p:val>
+                                        </p:tav>
+                                      </p:tavLst>
+                                    </p:anim>
+                                    <p:anim calcmode="lin" valueType="num">
+                                      <p:cBhvr>
+                                        <p:cTn id="48" dur="1000" fill="hold"/>
+                                        <p:tgtEl>
+                                          <p:spTgt spid="11"/>
+                                        </p:tgtEl>
+                                        <p:attrNameLst>
+                                          <p:attrName>ppt_y</p:attrName>
+                                        </p:attrNameLst>
+                                      </p:cBhvr>
+                                      <p:tavLst>
+                                        <p:tav tm="0">
+                                          <p:val>
+                                            <p:strVal val="#ppt_y+.1"/>
+                                          </p:val>
+                                        </p:tav>
+                                        <p:tav tm="100000">
+                                          <p:val>
+                                            <p:strVal val="#ppt_y"/>
+                                          </p:val>
+                                        </p:tav>
+                                      </p:tavLst>
+                                    </p:anim>
+                                  </p:childTnLst>
+                                </p:cTn>
+                              </p:par>
+                            </p:childTnLst>
+                          </p:cTn>
+                        </p:par>
+                      </p:childTnLst>
+                    </p:cTn>
+                  </p:par>
+                </p:childTnLst>
+              </p:cTn>
+              <p:prevCondLst>
+                <p:cond evt="onPrev" delay="0">
+                  <p:tgtEl>
+                    <p:sldTgt/>
+                  </p:tgtEl>
+                </p:cond>
+              </p:prevCondLst>
+              <p:nextCondLst>
+                <p:cond evt="onNext" delay="0">
+                  <p:tgtEl>
+                    <p:sldTgt/>
+                  </p:tgtEl>
+                </p:cond>
+              </p:nextCondLst>
+            </p:seq>
+          </p:childTnLst>
+        </p:cTn>
+      </p:par>
+    </p:tnLst>
   </p:timing>
 </p:sld>
 </file>
@@ -7319,6 +8180,340 @@
       </p:transition>
     </mc:Fallback>
   </mc:AlternateContent>
+</p:sld>
+</file>
+
+<file path=ppt/slides/slide20.xml><?xml version="1.0" encoding="utf-8"?>
+<p:sld xmlns:a="http://schemas.openxmlformats.org/drawingml/2006/main" xmlns:r="http://schemas.openxmlformats.org/officeDocument/2006/relationships" xmlns:p="http://schemas.openxmlformats.org/presentationml/2006/main">
+  <p:cSld>
+    <p:spTree>
+      <p:nvGrpSpPr>
+        <p:cNvPr id="1" name=""/>
+        <p:cNvGrpSpPr/>
+        <p:nvPr/>
+      </p:nvGrpSpPr>
+      <p:grpSpPr>
+        <a:xfrm>
+          <a:off x="0" y="0"/>
+          <a:ext cx="0" cy="0"/>
+          <a:chOff x="0" y="0"/>
+          <a:chExt cx="0" cy="0"/>
+        </a:xfrm>
+      </p:grpSpPr>
+      <p:sp>
+        <p:nvSpPr>
+          <p:cNvPr id="2" name="Naslov 1">
+            <a:extLst>
+              <a:ext uri="{FF2B5EF4-FFF2-40B4-BE49-F238E27FC236}">
+                <a16:creationId xmlns:a16="http://schemas.microsoft.com/office/drawing/2014/main" id="{F674B6C0-AB60-4AB9-8FBD-D16CF8B3FB6F}"/>
+              </a:ext>
+            </a:extLst>
+          </p:cNvPr>
+          <p:cNvSpPr>
+            <a:spLocks noGrp="1"/>
+          </p:cNvSpPr>
+          <p:nvPr>
+            <p:ph type="title"/>
+          </p:nvPr>
+        </p:nvSpPr>
+        <p:spPr/>
+        <p:txBody>
+          <a:bodyPr/>
+          <a:lstStyle/>
+          <a:p>
+            <a:r>
+              <a:rPr lang="hr-HR" dirty="0" err="1"/>
+              <a:t>Scripta</a:t>
+            </a:r>
+            <a:r>
+              <a:rPr lang="hr-HR" dirty="0"/>
+              <a:t>:</a:t>
+            </a:r>
+            <a:endParaRPr lang="en-US" dirty="0"/>
+          </a:p>
+        </p:txBody>
+      </p:sp>
+      <p:pic>
+        <p:nvPicPr>
+          <p:cNvPr id="5" name="Rezervirano mjesto sadržaja 4">
+            <a:extLst>
+              <a:ext uri="{FF2B5EF4-FFF2-40B4-BE49-F238E27FC236}">
+                <a16:creationId xmlns:a16="http://schemas.microsoft.com/office/drawing/2014/main" id="{0A1F3DEF-5793-4807-A1C5-C4B8971873D4}"/>
+              </a:ext>
+            </a:extLst>
+          </p:cNvPr>
+          <p:cNvPicPr>
+            <a:picLocks noGrp="1" noChangeAspect="1"/>
+          </p:cNvPicPr>
+          <p:nvPr>
+            <p:ph idx="1"/>
+          </p:nvPr>
+        </p:nvPicPr>
+        <p:blipFill>
+          <a:blip r:embed="rId2"/>
+          <a:stretch>
+            <a:fillRect/>
+          </a:stretch>
+        </p:blipFill>
+        <p:spPr>
+          <a:xfrm>
+            <a:off x="838200" y="1418000"/>
+            <a:ext cx="7964874" cy="5266886"/>
+          </a:xfrm>
+        </p:spPr>
+      </p:pic>
+    </p:spTree>
+    <p:extLst>
+      <p:ext uri="{BB962C8B-B14F-4D97-AF65-F5344CB8AC3E}">
+        <p14:creationId xmlns:p14="http://schemas.microsoft.com/office/powerpoint/2010/main" val="3031751315"/>
+      </p:ext>
+    </p:extLst>
+  </p:cSld>
+  <p:clrMapOvr>
+    <a:masterClrMapping/>
+  </p:clrMapOvr>
+  <p:timing>
+    <p:tnLst>
+      <p:par>
+        <p:cTn id="1" dur="indefinite" restart="never" nodeType="tmRoot">
+          <p:childTnLst>
+            <p:seq concurrent="1" nextAc="seek">
+              <p:cTn id="2" dur="indefinite" nodeType="mainSeq">
+                <p:childTnLst>
+                  <p:par>
+                    <p:cTn id="3" fill="hold">
+                      <p:stCondLst>
+                        <p:cond delay="indefinite"/>
+                      </p:stCondLst>
+                      <p:childTnLst>
+                        <p:par>
+                          <p:cTn id="4" fill="hold">
+                            <p:stCondLst>
+                              <p:cond delay="0"/>
+                            </p:stCondLst>
+                            <p:childTnLst>
+                              <p:par>
+                                <p:cTn id="5" presetID="31" presetClass="entr" presetSubtype="0" fill="hold" nodeType="clickEffect">
+                                  <p:stCondLst>
+                                    <p:cond delay="0"/>
+                                  </p:stCondLst>
+                                  <p:childTnLst>
+                                    <p:set>
+                                      <p:cBhvr>
+                                        <p:cTn id="6" dur="1" fill="hold">
+                                          <p:stCondLst>
+                                            <p:cond delay="0"/>
+                                          </p:stCondLst>
+                                        </p:cTn>
+                                        <p:tgtEl>
+                                          <p:spTgt spid="5"/>
+                                        </p:tgtEl>
+                                        <p:attrNameLst>
+                                          <p:attrName>style.visibility</p:attrName>
+                                        </p:attrNameLst>
+                                      </p:cBhvr>
+                                      <p:to>
+                                        <p:strVal val="visible"/>
+                                      </p:to>
+                                    </p:set>
+                                    <p:anim calcmode="lin" valueType="num">
+                                      <p:cBhvr>
+                                        <p:cTn id="7" dur="1000" fill="hold"/>
+                                        <p:tgtEl>
+                                          <p:spTgt spid="5"/>
+                                        </p:tgtEl>
+                                        <p:attrNameLst>
+                                          <p:attrName>ppt_w</p:attrName>
+                                        </p:attrNameLst>
+                                      </p:cBhvr>
+                                      <p:tavLst>
+                                        <p:tav tm="0">
+                                          <p:val>
+                                            <p:fltVal val="0"/>
+                                          </p:val>
+                                        </p:tav>
+                                        <p:tav tm="100000">
+                                          <p:val>
+                                            <p:strVal val="#ppt_w"/>
+                                          </p:val>
+                                        </p:tav>
+                                      </p:tavLst>
+                                    </p:anim>
+                                    <p:anim calcmode="lin" valueType="num">
+                                      <p:cBhvr>
+                                        <p:cTn id="8" dur="1000" fill="hold"/>
+                                        <p:tgtEl>
+                                          <p:spTgt spid="5"/>
+                                        </p:tgtEl>
+                                        <p:attrNameLst>
+                                          <p:attrName>ppt_h</p:attrName>
+                                        </p:attrNameLst>
+                                      </p:cBhvr>
+                                      <p:tavLst>
+                                        <p:tav tm="0">
+                                          <p:val>
+                                            <p:fltVal val="0"/>
+                                          </p:val>
+                                        </p:tav>
+                                        <p:tav tm="100000">
+                                          <p:val>
+                                            <p:strVal val="#ppt_h"/>
+                                          </p:val>
+                                        </p:tav>
+                                      </p:tavLst>
+                                    </p:anim>
+                                    <p:anim calcmode="lin" valueType="num">
+                                      <p:cBhvr>
+                                        <p:cTn id="9" dur="1000" fill="hold"/>
+                                        <p:tgtEl>
+                                          <p:spTgt spid="5"/>
+                                        </p:tgtEl>
+                                        <p:attrNameLst>
+                                          <p:attrName>style.rotation</p:attrName>
+                                        </p:attrNameLst>
+                                      </p:cBhvr>
+                                      <p:tavLst>
+                                        <p:tav tm="0">
+                                          <p:val>
+                                            <p:fltVal val="90"/>
+                                          </p:val>
+                                        </p:tav>
+                                        <p:tav tm="100000">
+                                          <p:val>
+                                            <p:fltVal val="0"/>
+                                          </p:val>
+                                        </p:tav>
+                                      </p:tavLst>
+                                    </p:anim>
+                                    <p:animEffect transition="in" filter="fade">
+                                      <p:cBhvr>
+                                        <p:cTn id="10" dur="1000"/>
+                                        <p:tgtEl>
+                                          <p:spTgt spid="5"/>
+                                        </p:tgtEl>
+                                      </p:cBhvr>
+                                    </p:animEffect>
+                                  </p:childTnLst>
+                                </p:cTn>
+                              </p:par>
+                            </p:childTnLst>
+                          </p:cTn>
+                        </p:par>
+                      </p:childTnLst>
+                    </p:cTn>
+                  </p:par>
+                </p:childTnLst>
+              </p:cTn>
+              <p:prevCondLst>
+                <p:cond evt="onPrev" delay="0">
+                  <p:tgtEl>
+                    <p:sldTgt/>
+                  </p:tgtEl>
+                </p:cond>
+              </p:prevCondLst>
+              <p:nextCondLst>
+                <p:cond evt="onNext" delay="0">
+                  <p:tgtEl>
+                    <p:sldTgt/>
+                  </p:tgtEl>
+                </p:cond>
+              </p:nextCondLst>
+            </p:seq>
+          </p:childTnLst>
+        </p:cTn>
+      </p:par>
+    </p:tnLst>
+  </p:timing>
+</p:sld>
+</file>
+
+<file path=ppt/slides/slide21.xml><?xml version="1.0" encoding="utf-8"?>
+<p:sld xmlns:a="http://schemas.openxmlformats.org/drawingml/2006/main" xmlns:r="http://schemas.openxmlformats.org/officeDocument/2006/relationships" xmlns:p="http://schemas.openxmlformats.org/presentationml/2006/main">
+  <p:cSld>
+    <p:spTree>
+      <p:nvGrpSpPr>
+        <p:cNvPr id="1" name=""/>
+        <p:cNvGrpSpPr/>
+        <p:nvPr/>
+      </p:nvGrpSpPr>
+      <p:grpSpPr>
+        <a:xfrm>
+          <a:off x="0" y="0"/>
+          <a:ext cx="0" cy="0"/>
+          <a:chOff x="0" y="0"/>
+          <a:chExt cx="0" cy="0"/>
+        </a:xfrm>
+      </p:grpSpPr>
+      <p:sp>
+        <p:nvSpPr>
+          <p:cNvPr id="2" name="Naslov 1">
+            <a:extLst>
+              <a:ext uri="{FF2B5EF4-FFF2-40B4-BE49-F238E27FC236}">
+                <a16:creationId xmlns:a16="http://schemas.microsoft.com/office/drawing/2014/main" id="{AF8888FF-3A50-4B4C-B4EB-109A91E253BD}"/>
+              </a:ext>
+            </a:extLst>
+          </p:cNvPr>
+          <p:cNvSpPr>
+            <a:spLocks noGrp="1"/>
+          </p:cNvSpPr>
+          <p:nvPr>
+            <p:ph type="title"/>
+          </p:nvPr>
+        </p:nvSpPr>
+        <p:spPr/>
+        <p:txBody>
+          <a:bodyPr/>
+          <a:lstStyle/>
+          <a:p>
+            <a:pPr algn="ctr"/>
+            <a:endParaRPr lang="en-US" dirty="0"/>
+          </a:p>
+        </p:txBody>
+      </p:sp>
+      <p:sp>
+        <p:nvSpPr>
+          <p:cNvPr id="3" name="Rezervirano mjesto sadržaja 2">
+            <a:extLst>
+              <a:ext uri="{FF2B5EF4-FFF2-40B4-BE49-F238E27FC236}">
+                <a16:creationId xmlns:a16="http://schemas.microsoft.com/office/drawing/2014/main" id="{783B3DD4-C45B-456F-AC17-275963AE8581}"/>
+              </a:ext>
+            </a:extLst>
+          </p:cNvPr>
+          <p:cNvSpPr>
+            <a:spLocks noGrp="1"/>
+          </p:cNvSpPr>
+          <p:nvPr>
+            <p:ph idx="1"/>
+          </p:nvPr>
+        </p:nvSpPr>
+        <p:spPr/>
+        <p:txBody>
+          <a:bodyPr>
+            <a:normAutofit/>
+          </a:bodyPr>
+          <a:lstStyle/>
+          <a:p>
+            <a:pPr marL="0" indent="0" algn="ctr">
+              <a:buNone/>
+            </a:pPr>
+            <a:r>
+              <a:rPr lang="hr-HR" sz="9600" dirty="0"/>
+              <a:t>Hvala na pažnji</a:t>
+            </a:r>
+            <a:endParaRPr lang="en-US" sz="9600" dirty="0"/>
+          </a:p>
+        </p:txBody>
+      </p:sp>
+    </p:spTree>
+    <p:extLst>
+      <p:ext uri="{BB962C8B-B14F-4D97-AF65-F5344CB8AC3E}">
+        <p14:creationId xmlns:p14="http://schemas.microsoft.com/office/powerpoint/2010/main" val="1383237973"/>
+      </p:ext>
+    </p:extLst>
+  </p:cSld>
+  <p:clrMapOvr>
+    <a:masterClrMapping/>
+  </p:clrMapOvr>
 </p:sld>
 </file>
 
